--- a/semaine2/CO12AL-W2-VIDEO09-SLIDE01.pptx
+++ b/semaine2/CO12AL-W2-VIDEO09-SLIDE01.pptx
@@ -13,7 +13,7 @@
   <p:sldIdLst>
     <p:sldId id="263" r:id="rId2"/>
   </p:sldIdLst>
-  <p:sldSz cx="9144000" cy="6858000" type="screen4x3"/>
+  <p:sldSz cx="12192000" cy="6858000"/>
   <p:notesSz cx="7099300" cy="10234613"/>
   <p:defaultTextStyle>
     <a:defPPr>
@@ -152,12 +152,12 @@
     </p:ext>
     <p:ext uri="{EFAFB233-063F-42B5-8137-9DF3F51BA10A}">
       <p15:sldGuideLst xmlns:p15="http://schemas.microsoft.com/office/powerpoint/2012/main">
-        <p15:guide id="1" orient="horz" pos="2160">
+        <p15:guide id="1" orient="horz" pos="2160" userDrawn="1">
           <p15:clr>
             <a:srgbClr val="A4A3A4"/>
           </p15:clr>
         </p15:guide>
-        <p15:guide id="2" pos="2880">
+        <p15:guide id="2" pos="3840" userDrawn="1">
           <p15:clr>
             <a:srgbClr val="A4A3A4"/>
           </p15:clr>
@@ -560,8 +560,8 @@
         </p:nvSpPr>
         <p:spPr bwMode="auto">
           <a:xfrm>
-            <a:off x="992188" y="768350"/>
-            <a:ext cx="5116512" cy="3836988"/>
+            <a:off x="141288" y="768350"/>
+            <a:ext cx="6818312" cy="3836988"/>
           </a:xfrm>
           <a:prstGeom prst="rect">
             <a:avLst/>
@@ -928,7 +928,12 @@
             <p:ph type="sldImg"/>
           </p:nvPr>
         </p:nvSpPr>
-        <p:spPr/>
+        <p:spPr>
+          <a:xfrm>
+            <a:off x="141288" y="768350"/>
+            <a:ext cx="6818312" cy="3836988"/>
+          </a:xfrm>
+        </p:spPr>
       </p:sp>
       <p:sp>
         <p:nvSpPr>
@@ -1055,8 +1060,8 @@
         </p:nvSpPr>
         <p:spPr>
           <a:xfrm>
-            <a:off x="685800" y="1219200"/>
-            <a:ext cx="7772400" cy="1470025"/>
+            <a:off x="914400" y="1219201"/>
+            <a:ext cx="10363200" cy="1470025"/>
           </a:xfrm>
         </p:spPr>
         <p:txBody>
@@ -1086,8 +1091,8 @@
         </p:nvSpPr>
         <p:spPr>
           <a:xfrm>
-            <a:off x="1295400" y="3048000"/>
-            <a:ext cx="6400800" cy="1752600"/>
+            <a:off x="1727200" y="3048000"/>
+            <a:ext cx="8534400" cy="1752600"/>
           </a:xfrm>
         </p:spPr>
         <p:txBody>
@@ -1119,8 +1124,8 @@
         </p:nvSpPr>
         <p:spPr>
           <a:xfrm>
-            <a:off x="457200" y="6248400"/>
-            <a:ext cx="2895600" cy="476250"/>
+            <a:off x="609600" y="6248400"/>
+            <a:ext cx="3860800" cy="476250"/>
           </a:xfrm>
         </p:spPr>
         <p:txBody>
@@ -1158,8 +1163,8 @@
         </p:nvSpPr>
         <p:spPr>
           <a:xfrm>
-            <a:off x="6553200" y="6245225"/>
-            <a:ext cx="2133600" cy="476250"/>
+            <a:off x="8737600" y="6245225"/>
+            <a:ext cx="2844800" cy="476250"/>
           </a:xfrm>
         </p:spPr>
         <p:txBody>
@@ -1402,8 +1407,8 @@
         </p:nvSpPr>
         <p:spPr>
           <a:xfrm>
-            <a:off x="6629400" y="274638"/>
-            <a:ext cx="2057400" cy="5851525"/>
+            <a:off x="8839200" y="274639"/>
+            <a:ext cx="2743200" cy="5851525"/>
           </a:xfrm>
         </p:spPr>
         <p:txBody>
@@ -1430,8 +1435,8 @@
         </p:nvSpPr>
         <p:spPr>
           <a:xfrm>
-            <a:off x="457200" y="274638"/>
-            <a:ext cx="6019800" cy="5851525"/>
+            <a:off x="609600" y="274639"/>
+            <a:ext cx="8026400" cy="5851525"/>
           </a:xfrm>
         </p:spPr>
         <p:txBody>
@@ -1584,8 +1589,8 @@
         </p:nvSpPr>
         <p:spPr>
           <a:xfrm>
-            <a:off x="457200" y="274638"/>
-            <a:ext cx="8229600" cy="1143000"/>
+            <a:off x="609600" y="274638"/>
+            <a:ext cx="10972800" cy="1143000"/>
           </a:xfrm>
         </p:spPr>
         <p:txBody>
@@ -1612,8 +1617,8 @@
         </p:nvSpPr>
         <p:spPr>
           <a:xfrm>
-            <a:off x="457200" y="1600200"/>
-            <a:ext cx="4038600" cy="4525963"/>
+            <a:off x="609600" y="1600201"/>
+            <a:ext cx="5384800" cy="4525963"/>
           </a:xfrm>
         </p:spPr>
         <p:txBody>
@@ -1669,8 +1674,8 @@
         </p:nvSpPr>
         <p:spPr>
           <a:xfrm>
-            <a:off x="4648200" y="1600200"/>
-            <a:ext cx="4038600" cy="4525963"/>
+            <a:off x="6197600" y="1600201"/>
+            <a:ext cx="5384800" cy="4525963"/>
           </a:xfrm>
         </p:spPr>
         <p:txBody>
@@ -2002,8 +2007,8 @@
         </p:nvSpPr>
         <p:spPr>
           <a:xfrm>
-            <a:off x="722313" y="4406900"/>
-            <a:ext cx="7772400" cy="1362075"/>
+            <a:off x="963084" y="4406901"/>
+            <a:ext cx="10363200" cy="1362075"/>
           </a:xfrm>
         </p:spPr>
         <p:txBody>
@@ -2034,8 +2039,8 @@
         </p:nvSpPr>
         <p:spPr>
           <a:xfrm>
-            <a:off x="722313" y="2906713"/>
-            <a:ext cx="7772400" cy="1500187"/>
+            <a:off x="963084" y="2906713"/>
+            <a:ext cx="10363200" cy="1500187"/>
           </a:xfrm>
         </p:spPr>
         <p:txBody>
@@ -2226,8 +2231,8 @@
         </p:nvSpPr>
         <p:spPr>
           <a:xfrm>
-            <a:off x="457200" y="1600200"/>
-            <a:ext cx="4038600" cy="4525963"/>
+            <a:off x="609600" y="1600201"/>
+            <a:ext cx="5384800" cy="4525963"/>
           </a:xfrm>
         </p:spPr>
         <p:txBody>
@@ -2311,8 +2316,8 @@
         </p:nvSpPr>
         <p:spPr>
           <a:xfrm>
-            <a:off x="4648200" y="1600200"/>
-            <a:ext cx="4038600" cy="4525963"/>
+            <a:off x="6197600" y="1600201"/>
+            <a:ext cx="5384800" cy="4525963"/>
           </a:xfrm>
         </p:spPr>
         <p:txBody>
@@ -2527,8 +2532,8 @@
         </p:nvSpPr>
         <p:spPr>
           <a:xfrm>
-            <a:off x="457200" y="1535113"/>
-            <a:ext cx="4040188" cy="639762"/>
+            <a:off x="609600" y="1535113"/>
+            <a:ext cx="5386917" cy="639762"/>
           </a:xfrm>
         </p:spPr>
         <p:txBody>
@@ -2592,8 +2597,8 @@
         </p:nvSpPr>
         <p:spPr>
           <a:xfrm>
-            <a:off x="457200" y="2174875"/>
-            <a:ext cx="4040188" cy="3951288"/>
+            <a:off x="609600" y="2174875"/>
+            <a:ext cx="5386917" cy="3951288"/>
           </a:xfrm>
         </p:spPr>
         <p:txBody>
@@ -2677,8 +2682,8 @@
         </p:nvSpPr>
         <p:spPr>
           <a:xfrm>
-            <a:off x="4645025" y="1535113"/>
-            <a:ext cx="4041775" cy="639762"/>
+            <a:off x="6193368" y="1535113"/>
+            <a:ext cx="5389033" cy="639762"/>
           </a:xfrm>
         </p:spPr>
         <p:txBody>
@@ -2742,8 +2747,8 @@
         </p:nvSpPr>
         <p:spPr>
           <a:xfrm>
-            <a:off x="4645025" y="2174875"/>
-            <a:ext cx="4041775" cy="3951288"/>
+            <a:off x="6193368" y="2174875"/>
+            <a:ext cx="5389033" cy="3951288"/>
           </a:xfrm>
         </p:spPr>
         <p:txBody>
@@ -3162,8 +3167,8 @@
         </p:nvSpPr>
         <p:spPr>
           <a:xfrm>
-            <a:off x="457200" y="273050"/>
-            <a:ext cx="3008313" cy="1162050"/>
+            <a:off x="609601" y="273050"/>
+            <a:ext cx="4011084" cy="1162050"/>
           </a:xfrm>
         </p:spPr>
         <p:txBody>
@@ -3194,8 +3199,8 @@
         </p:nvSpPr>
         <p:spPr>
           <a:xfrm>
-            <a:off x="3575050" y="273050"/>
-            <a:ext cx="5111750" cy="5853113"/>
+            <a:off x="4766733" y="273051"/>
+            <a:ext cx="6815667" cy="5853113"/>
           </a:xfrm>
         </p:spPr>
         <p:txBody>
@@ -3279,8 +3284,8 @@
         </p:nvSpPr>
         <p:spPr>
           <a:xfrm>
-            <a:off x="457200" y="1435100"/>
-            <a:ext cx="3008313" cy="4691063"/>
+            <a:off x="609601" y="1435101"/>
+            <a:ext cx="4011084" cy="4691063"/>
           </a:xfrm>
         </p:spPr>
         <p:txBody>
@@ -3441,8 +3446,8 @@
         </p:nvSpPr>
         <p:spPr>
           <a:xfrm>
-            <a:off x="1792288" y="4800600"/>
-            <a:ext cx="5486400" cy="566738"/>
+            <a:off x="2389717" y="4800600"/>
+            <a:ext cx="7315200" cy="566738"/>
           </a:xfrm>
         </p:spPr>
         <p:txBody>
@@ -3473,8 +3478,8 @@
         </p:nvSpPr>
         <p:spPr>
           <a:xfrm>
-            <a:off x="1792288" y="612775"/>
-            <a:ext cx="5486400" cy="4114800"/>
+            <a:off x="2389717" y="612775"/>
+            <a:ext cx="7315200" cy="4114800"/>
           </a:xfrm>
         </p:spPr>
         <p:txBody>
@@ -3535,8 +3540,8 @@
         </p:nvSpPr>
         <p:spPr>
           <a:xfrm>
-            <a:off x="1792288" y="5367338"/>
-            <a:ext cx="5486400" cy="804862"/>
+            <a:off x="2389717" y="5367338"/>
+            <a:ext cx="7315200" cy="804862"/>
           </a:xfrm>
         </p:spPr>
         <p:txBody>
@@ -3705,8 +3710,8 @@
         </p:nvSpPr>
         <p:spPr bwMode="auto">
           <a:xfrm>
-            <a:off x="457200" y="274638"/>
-            <a:ext cx="8229600" cy="1143000"/>
+            <a:off x="609600" y="274638"/>
+            <a:ext cx="10972800" cy="1143000"/>
           </a:xfrm>
           <a:prstGeom prst="rect">
             <a:avLst/>
@@ -3763,8 +3768,8 @@
         </p:nvSpPr>
         <p:spPr bwMode="auto">
           <a:xfrm>
-            <a:off x="457200" y="1600200"/>
-            <a:ext cx="8229600" cy="4525963"/>
+            <a:off x="609600" y="1600201"/>
+            <a:ext cx="10972800" cy="4525963"/>
           </a:xfrm>
           <a:prstGeom prst="rect">
             <a:avLst/>
@@ -3849,8 +3854,8 @@
         </p:nvSpPr>
         <p:spPr bwMode="auto">
           <a:xfrm>
-            <a:off x="0" y="6521450"/>
-            <a:ext cx="3967163" cy="336550"/>
+            <a:off x="1" y="6521450"/>
+            <a:ext cx="5289551" cy="336550"/>
           </a:xfrm>
           <a:prstGeom prst="rect">
             <a:avLst/>
@@ -3908,8 +3913,8 @@
         </p:nvSpPr>
         <p:spPr bwMode="auto">
           <a:xfrm>
-            <a:off x="7772400" y="6248400"/>
-            <a:ext cx="914400" cy="476250"/>
+            <a:off x="10363200" y="6248400"/>
+            <a:ext cx="1219200" cy="476250"/>
           </a:xfrm>
           <a:prstGeom prst="rect">
             <a:avLst/>
@@ -4377,28 +4382,47 @@
       </p:grpSpPr>
       <p:sp>
         <p:nvSpPr>
-          <p:cNvPr id="2" name="Titre 1"/>
-          <p:cNvSpPr>
-            <a:spLocks noGrp="1"/>
-          </p:cNvSpPr>
-          <p:nvPr>
-            <p:ph type="title"/>
-          </p:nvPr>
-        </p:nvSpPr>
-        <p:spPr/>
-        <p:txBody>
-          <a:bodyPr/>
+          <p:cNvPr id="44" name="ZoneTexte 43"/>
+          <p:cNvSpPr txBox="1"/>
+          <p:nvPr/>
+        </p:nvSpPr>
+        <p:spPr>
+          <a:xfrm>
+            <a:off x="7837770" y="5638844"/>
+            <a:ext cx="2537692" cy="584775"/>
+          </a:xfrm>
+          <a:prstGeom prst="rect">
+            <a:avLst/>
+          </a:prstGeom>
+          <a:noFill/>
+        </p:spPr>
+        <p:txBody>
+          <a:bodyPr wrap="square" rtlCol="0">
+            <a:spAutoFit/>
+          </a:bodyPr>
           <a:lstStyle/>
           <a:p>
             <a:r>
-              <a:rPr lang="fr-FR" dirty="0" smtClean="0"/>
-              <a:t>Tables de </a:t>
-            </a:r>
-            <a:r>
-              <a:rPr lang="fr-FR" dirty="0" smtClean="0"/>
-              <a:t>hash</a:t>
-            </a:r>
-            <a:endParaRPr lang="fr-FR" dirty="0"/>
+              <a:rPr lang="fr-FR" sz="3200" dirty="0">
+                <a:latin typeface="Calibri" pitchFamily="34" charset="0"/>
+                <a:cs typeface="Calibri" pitchFamily="34" charset="0"/>
+              </a:rPr>
+              <a:t>'</a:t>
+            </a:r>
+            <a:r>
+              <a:rPr lang="fr-FR" sz="3200" dirty="0" err="1">
+                <a:latin typeface="Calibri" pitchFamily="34" charset="0"/>
+                <a:cs typeface="Calibri" pitchFamily="34" charset="0"/>
+              </a:rPr>
+              <a:t>eric</a:t>
+            </a:r>
+            <a:r>
+              <a:rPr lang="fr-FR" sz="3200" dirty="0">
+                <a:latin typeface="Calibri" pitchFamily="34" charset="0"/>
+                <a:cs typeface="Calibri" pitchFamily="34" charset="0"/>
+              </a:rPr>
+              <a:t>', 243789</a:t>
+            </a:r>
           </a:p>
         </p:txBody>
       </p:sp>
@@ -4410,8 +4434,8 @@
         </p:nvSpPr>
         <p:spPr>
           <a:xfrm>
-            <a:off x="2019869" y="3337634"/>
-            <a:ext cx="1105468" cy="461665"/>
+            <a:off x="2838237" y="2593895"/>
+            <a:ext cx="1254496" cy="584775"/>
           </a:xfrm>
           <a:prstGeom prst="rect">
             <a:avLst/>
@@ -4433,30 +4457,26 @@
           <a:p>
             <a:pPr algn="ctr"/>
             <a:r>
-              <a:rPr lang="fr-FR" dirty="0">
+              <a:rPr lang="fr-FR" sz="3200" dirty="0">
                 <a:latin typeface="Calibri" pitchFamily="34" charset="0"/>
                 <a:cs typeface="Calibri" pitchFamily="34" charset="0"/>
               </a:rPr>
               <a:t>'</a:t>
             </a:r>
             <a:r>
-              <a:rPr lang="fr-FR" dirty="0" err="1">
+              <a:rPr lang="fr-FR" sz="3200" dirty="0" err="1">
                 <a:latin typeface="Calibri" pitchFamily="34" charset="0"/>
                 <a:cs typeface="Calibri" pitchFamily="34" charset="0"/>
               </a:rPr>
               <a:t>alice</a:t>
             </a:r>
             <a:r>
-              <a:rPr lang="fr-FR" dirty="0">
+              <a:rPr lang="fr-FR" sz="3200" dirty="0">
                 <a:latin typeface="Calibri" pitchFamily="34" charset="0"/>
                 <a:cs typeface="Calibri" pitchFamily="34" charset="0"/>
               </a:rPr>
               <a:t>'</a:t>
             </a:r>
-            <a:endParaRPr lang="fr-FR" dirty="0">
-              <a:latin typeface="Calibri" pitchFamily="34" charset="0"/>
-              <a:cs typeface="Calibri" pitchFamily="34" charset="0"/>
-            </a:endParaRPr>
           </a:p>
         </p:txBody>
       </p:sp>
@@ -4468,8 +4488,8 @@
         </p:nvSpPr>
         <p:spPr>
           <a:xfrm>
-            <a:off x="2019869" y="3981354"/>
-            <a:ext cx="1105468" cy="461665"/>
+            <a:off x="2838237" y="3844951"/>
+            <a:ext cx="1254496" cy="584775"/>
           </a:xfrm>
           <a:prstGeom prst="rect">
             <a:avLst/>
@@ -4491,16 +4511,12 @@
           <a:p>
             <a:pPr algn="ctr"/>
             <a:r>
-              <a:rPr lang="fr-FR" dirty="0" smtClean="0">
+              <a:rPr lang="fr-FR" sz="3200" dirty="0">
                 <a:latin typeface="Calibri" pitchFamily="34" charset="0"/>
                 <a:cs typeface="Calibri" pitchFamily="34" charset="0"/>
               </a:rPr>
               <a:t>'marc'</a:t>
             </a:r>
-            <a:endParaRPr lang="fr-FR" dirty="0">
-              <a:latin typeface="Calibri" pitchFamily="34" charset="0"/>
-              <a:cs typeface="Calibri" pitchFamily="34" charset="0"/>
-            </a:endParaRPr>
           </a:p>
         </p:txBody>
       </p:sp>
@@ -4512,8 +4528,8 @@
         </p:nvSpPr>
         <p:spPr>
           <a:xfrm>
-            <a:off x="2019869" y="4622798"/>
-            <a:ext cx="1105468" cy="461665"/>
+            <a:off x="2838237" y="5094767"/>
+            <a:ext cx="1254496" cy="584775"/>
           </a:xfrm>
           <a:prstGeom prst="rect">
             <a:avLst/>
@@ -4535,30 +4551,26 @@
           <a:p>
             <a:pPr algn="ctr"/>
             <a:r>
-              <a:rPr lang="fr-FR" dirty="0" smtClean="0">
+              <a:rPr lang="fr-FR" sz="3200" dirty="0">
                 <a:latin typeface="Calibri" pitchFamily="34" charset="0"/>
                 <a:cs typeface="Calibri" pitchFamily="34" charset="0"/>
               </a:rPr>
               <a:t>'</a:t>
             </a:r>
             <a:r>
-              <a:rPr lang="fr-FR" dirty="0" err="1" smtClean="0">
+              <a:rPr lang="fr-FR" sz="3200" dirty="0" err="1">
                 <a:latin typeface="Calibri" pitchFamily="34" charset="0"/>
                 <a:cs typeface="Calibri" pitchFamily="34" charset="0"/>
               </a:rPr>
               <a:t>eric</a:t>
             </a:r>
             <a:r>
-              <a:rPr lang="fr-FR" dirty="0" smtClean="0">
+              <a:rPr lang="fr-FR" sz="3200" dirty="0">
                 <a:latin typeface="Calibri" pitchFamily="34" charset="0"/>
                 <a:cs typeface="Calibri" pitchFamily="34" charset="0"/>
               </a:rPr>
               <a:t>'</a:t>
             </a:r>
-            <a:endParaRPr lang="fr-FR" dirty="0">
-              <a:latin typeface="Calibri" pitchFamily="34" charset="0"/>
-              <a:cs typeface="Calibri" pitchFamily="34" charset="0"/>
-            </a:endParaRPr>
           </a:p>
         </p:txBody>
       </p:sp>
@@ -4570,8 +4582,8 @@
         </p:nvSpPr>
         <p:spPr bwMode="auto">
           <a:xfrm>
-            <a:off x="4080680" y="2226771"/>
-            <a:ext cx="1064526" cy="4039738"/>
+            <a:off x="5276392" y="2221907"/>
+            <a:ext cx="1269244" cy="3860540"/>
           </a:xfrm>
           <a:prstGeom prst="rect">
             <a:avLst/>
@@ -4594,7 +4606,7 @@
           <a:effectLst/>
         </p:spPr>
         <p:txBody>
-          <a:bodyPr vert="horz" wrap="none" lIns="90000" tIns="46800" rIns="90000" bIns="46800" numCol="1" rtlCol="0" anchor="ctr" anchorCtr="0" compatLnSpc="1">
+          <a:bodyPr vert="horz" wrap="square" lIns="90000" tIns="46800" rIns="90000" bIns="46800" numCol="1" rtlCol="0" anchor="ctr" anchorCtr="0" compatLnSpc="1">
             <a:prstTxWarp prst="textNoShape">
               <a:avLst/>
             </a:prstTxWarp>
@@ -4602,32 +4614,12 @@
           </a:bodyPr>
           <a:lstStyle/>
           <a:p>
-            <a:pPr marL="0" marR="0" indent="0" algn="ctr" defTabSz="914400" rtl="0" eaLnBrk="1" fontAlgn="base" latinLnBrk="0" hangingPunct="1">
-              <a:lnSpc>
-                <a:spcPct val="100000"/>
-              </a:lnSpc>
+            <a:pPr algn="ctr">
               <a:spcBef>
                 <a:spcPct val="50000"/>
               </a:spcBef>
-              <a:spcAft>
-                <a:spcPct val="0"/>
-              </a:spcAft>
-              <a:buClrTx/>
-              <a:buSzTx/>
-              <a:buFontTx/>
-              <a:buNone/>
-              <a:tabLst/>
             </a:pPr>
-            <a:endParaRPr kumimoji="0" lang="fr-FR" sz="2400" b="0" i="0" u="none" strike="noStrike" cap="none" normalizeH="0" baseline="0" smtClean="0">
-              <a:ln>
-                <a:noFill/>
-              </a:ln>
-              <a:solidFill>
-                <a:schemeClr val="tx1"/>
-              </a:solidFill>
-              <a:effectLst/>
-              <a:latin typeface="Comic Sans MS" pitchFamily="66" charset="0"/>
-            </a:endParaRPr>
+            <a:endParaRPr lang="fr-FR"/>
           </a:p>
         </p:txBody>
       </p:sp>
@@ -4639,8 +4631,8 @@
         </p:nvSpPr>
         <p:spPr>
           <a:xfrm>
-            <a:off x="3282286" y="1733265"/>
-            <a:ext cx="2661314" cy="461665"/>
+            <a:off x="5118477" y="1164753"/>
+            <a:ext cx="2040576" cy="1077218"/>
           </a:xfrm>
           <a:prstGeom prst="rect">
             <a:avLst/>
@@ -4654,546 +4646,15 @@
           <a:lstStyle/>
           <a:p>
             <a:r>
-              <a:rPr lang="fr-FR" dirty="0" smtClean="0">
+              <a:rPr lang="fr-FR" sz="3200" dirty="0">
                 <a:latin typeface="Calibri" pitchFamily="34" charset="0"/>
                 <a:cs typeface="Calibri" pitchFamily="34" charset="0"/>
               </a:rPr>
               <a:t>Fonction de hash f()</a:t>
             </a:r>
-            <a:endParaRPr lang="fr-FR" dirty="0">
-              <a:latin typeface="Calibri" pitchFamily="34" charset="0"/>
-              <a:cs typeface="Calibri" pitchFamily="34" charset="0"/>
-            </a:endParaRPr>
-          </a:p>
-        </p:txBody>
-      </p:sp>
-      <p:grpSp>
-        <p:nvGrpSpPr>
-          <p:cNvPr id="13" name="Groupe 12"/>
-          <p:cNvGrpSpPr/>
-          <p:nvPr/>
-        </p:nvGrpSpPr>
-        <p:grpSpPr>
-          <a:xfrm>
-            <a:off x="6032310" y="2436461"/>
-            <a:ext cx="2279177" cy="477672"/>
-            <a:chOff x="6032310" y="1978925"/>
-            <a:chExt cx="2279177" cy="477672"/>
-          </a:xfrm>
-        </p:grpSpPr>
-        <p:sp>
-          <p:nvSpPr>
-            <p:cNvPr id="11" name="ZoneTexte 10"/>
-            <p:cNvSpPr txBox="1"/>
-            <p:nvPr/>
-          </p:nvSpPr>
-          <p:spPr>
-            <a:xfrm>
-              <a:off x="6537277" y="1978925"/>
-              <a:ext cx="1774210" cy="477672"/>
-            </a:xfrm>
-            <a:prstGeom prst="rect">
-              <a:avLst/>
-            </a:prstGeom>
-            <a:noFill/>
-            <a:ln w="38100">
-              <a:solidFill>
-                <a:schemeClr val="tx1"/>
-              </a:solidFill>
-            </a:ln>
-          </p:spPr>
-          <p:txBody>
-            <a:bodyPr wrap="square" rtlCol="0">
-              <a:spAutoFit/>
-            </a:bodyPr>
-            <a:lstStyle/>
-            <a:p>
-              <a:endParaRPr lang="fr-FR" dirty="0">
-                <a:latin typeface="Calibri" pitchFamily="34" charset="0"/>
-                <a:cs typeface="Calibri" pitchFamily="34" charset="0"/>
-              </a:endParaRPr>
-            </a:p>
-          </p:txBody>
-        </p:sp>
-        <p:sp>
-          <p:nvSpPr>
-            <p:cNvPr id="12" name="ZoneTexte 11"/>
-            <p:cNvSpPr txBox="1"/>
-            <p:nvPr/>
-          </p:nvSpPr>
-          <p:spPr>
-            <a:xfrm>
-              <a:off x="6032310" y="1978925"/>
-              <a:ext cx="504967" cy="477672"/>
-            </a:xfrm>
-            <a:prstGeom prst="rect">
-              <a:avLst/>
-            </a:prstGeom>
-            <a:noFill/>
-            <a:ln w="38100">
-              <a:solidFill>
-                <a:schemeClr val="tx1"/>
-              </a:solidFill>
-            </a:ln>
-          </p:spPr>
-          <p:txBody>
-            <a:bodyPr wrap="square" rtlCol="0">
-              <a:spAutoFit/>
-            </a:bodyPr>
-            <a:lstStyle/>
-            <a:p>
-              <a:r>
-                <a:rPr lang="fr-FR" dirty="0" smtClean="0">
-                  <a:latin typeface="Calibri" pitchFamily="34" charset="0"/>
-                  <a:cs typeface="Calibri" pitchFamily="34" charset="0"/>
-                </a:rPr>
-                <a:t>1</a:t>
-              </a:r>
-              <a:endParaRPr lang="fr-FR" dirty="0">
-                <a:latin typeface="Calibri" pitchFamily="34" charset="0"/>
-                <a:cs typeface="Calibri" pitchFamily="34" charset="0"/>
-              </a:endParaRPr>
-            </a:p>
-          </p:txBody>
-        </p:sp>
-      </p:grpSp>
-      <p:grpSp>
-        <p:nvGrpSpPr>
-          <p:cNvPr id="14" name="Groupe 13"/>
-          <p:cNvGrpSpPr/>
-          <p:nvPr/>
-        </p:nvGrpSpPr>
-        <p:grpSpPr>
-          <a:xfrm>
-            <a:off x="6032310" y="2914153"/>
-            <a:ext cx="2279177" cy="477672"/>
-            <a:chOff x="6032310" y="1978925"/>
-            <a:chExt cx="2279177" cy="477672"/>
-          </a:xfrm>
-        </p:grpSpPr>
-        <p:sp>
-          <p:nvSpPr>
-            <p:cNvPr id="15" name="ZoneTexte 14"/>
-            <p:cNvSpPr txBox="1"/>
-            <p:nvPr/>
-          </p:nvSpPr>
-          <p:spPr>
-            <a:xfrm>
-              <a:off x="6537277" y="1978925"/>
-              <a:ext cx="1774210" cy="477672"/>
-            </a:xfrm>
-            <a:prstGeom prst="rect">
-              <a:avLst/>
-            </a:prstGeom>
-            <a:noFill/>
-            <a:ln w="38100">
-              <a:solidFill>
-                <a:schemeClr val="tx1"/>
-              </a:solidFill>
-            </a:ln>
-          </p:spPr>
-          <p:txBody>
-            <a:bodyPr wrap="square" rtlCol="0">
-              <a:spAutoFit/>
-            </a:bodyPr>
-            <a:lstStyle/>
-            <a:p>
-              <a:endParaRPr lang="fr-FR" dirty="0">
-                <a:latin typeface="Calibri" pitchFamily="34" charset="0"/>
-                <a:cs typeface="Calibri" pitchFamily="34" charset="0"/>
-              </a:endParaRPr>
-            </a:p>
-          </p:txBody>
-        </p:sp>
-        <p:sp useBgFill="1">
-          <p:nvSpPr>
-            <p:cNvPr id="16" name="ZoneTexte 15"/>
-            <p:cNvSpPr txBox="1"/>
-            <p:nvPr/>
-          </p:nvSpPr>
-          <p:spPr>
-            <a:xfrm>
-              <a:off x="6032310" y="1978925"/>
-              <a:ext cx="504967" cy="477672"/>
-            </a:xfrm>
-            <a:prstGeom prst="rect">
-              <a:avLst/>
-            </a:prstGeom>
-            <a:ln w="38100">
-              <a:solidFill>
-                <a:schemeClr val="tx1"/>
-              </a:solidFill>
-            </a:ln>
-          </p:spPr>
-          <p:txBody>
-            <a:bodyPr wrap="square" rtlCol="0">
-              <a:spAutoFit/>
-            </a:bodyPr>
-            <a:lstStyle/>
-            <a:p>
-              <a:r>
-                <a:rPr lang="fr-FR" dirty="0" smtClean="0">
-                  <a:latin typeface="Calibri" pitchFamily="34" charset="0"/>
-                  <a:cs typeface="Calibri" pitchFamily="34" charset="0"/>
-                </a:rPr>
-                <a:t>2</a:t>
-              </a:r>
-              <a:endParaRPr lang="fr-FR" dirty="0">
-                <a:latin typeface="Calibri" pitchFamily="34" charset="0"/>
-                <a:cs typeface="Calibri" pitchFamily="34" charset="0"/>
-              </a:endParaRPr>
-            </a:p>
-          </p:txBody>
-        </p:sp>
-      </p:grpSp>
-      <p:grpSp>
-        <p:nvGrpSpPr>
-          <p:cNvPr id="17" name="Groupe 16"/>
-          <p:cNvGrpSpPr/>
-          <p:nvPr/>
-        </p:nvGrpSpPr>
-        <p:grpSpPr>
-          <a:xfrm>
-            <a:off x="6032310" y="4347148"/>
-            <a:ext cx="2279177" cy="477672"/>
-            <a:chOff x="6032310" y="1978925"/>
-            <a:chExt cx="2279177" cy="477672"/>
-          </a:xfrm>
-        </p:grpSpPr>
-        <p:sp>
-          <p:nvSpPr>
-            <p:cNvPr id="18" name="ZoneTexte 17"/>
-            <p:cNvSpPr txBox="1"/>
-            <p:nvPr/>
-          </p:nvSpPr>
-          <p:spPr>
-            <a:xfrm>
-              <a:off x="6537277" y="1978925"/>
-              <a:ext cx="1774210" cy="477672"/>
-            </a:xfrm>
-            <a:prstGeom prst="rect">
-              <a:avLst/>
-            </a:prstGeom>
-            <a:noFill/>
-            <a:ln w="38100">
-              <a:solidFill>
-                <a:schemeClr val="tx1"/>
-              </a:solidFill>
-            </a:ln>
-          </p:spPr>
-          <p:txBody>
-            <a:bodyPr wrap="square" rtlCol="0">
-              <a:spAutoFit/>
-            </a:bodyPr>
-            <a:lstStyle/>
-            <a:p>
-              <a:endParaRPr lang="fr-FR" dirty="0">
-                <a:latin typeface="Calibri" pitchFamily="34" charset="0"/>
-                <a:cs typeface="Calibri" pitchFamily="34" charset="0"/>
-              </a:endParaRPr>
-            </a:p>
-          </p:txBody>
-        </p:sp>
-        <p:sp>
-          <p:nvSpPr>
-            <p:cNvPr id="19" name="ZoneTexte 18"/>
-            <p:cNvSpPr txBox="1"/>
-            <p:nvPr/>
-          </p:nvSpPr>
-          <p:spPr>
-            <a:xfrm>
-              <a:off x="6032310" y="1978925"/>
-              <a:ext cx="504967" cy="477672"/>
-            </a:xfrm>
-            <a:prstGeom prst="rect">
-              <a:avLst/>
-            </a:prstGeom>
-            <a:noFill/>
-            <a:ln w="38100">
-              <a:solidFill>
-                <a:schemeClr val="tx1"/>
-              </a:solidFill>
-            </a:ln>
-          </p:spPr>
-          <p:txBody>
-            <a:bodyPr wrap="square" rtlCol="0">
-              <a:spAutoFit/>
-            </a:bodyPr>
-            <a:lstStyle/>
-            <a:p>
-              <a:r>
-                <a:rPr lang="fr-FR" dirty="0">
-                  <a:latin typeface="Calibri" pitchFamily="34" charset="0"/>
-                  <a:cs typeface="Calibri" pitchFamily="34" charset="0"/>
-                </a:rPr>
-                <a:t>5</a:t>
-              </a:r>
-            </a:p>
-          </p:txBody>
-        </p:sp>
-      </p:grpSp>
-      <p:grpSp>
-        <p:nvGrpSpPr>
-          <p:cNvPr id="20" name="Groupe 19"/>
-          <p:cNvGrpSpPr/>
-          <p:nvPr/>
-        </p:nvGrpSpPr>
-        <p:grpSpPr>
-          <a:xfrm>
-            <a:off x="6032309" y="3869476"/>
-            <a:ext cx="2279178" cy="477672"/>
-            <a:chOff x="6032310" y="1978925"/>
-            <a:chExt cx="2279178" cy="477672"/>
-          </a:xfrm>
-        </p:grpSpPr>
-        <p:sp>
-          <p:nvSpPr>
-            <p:cNvPr id="21" name="ZoneTexte 20"/>
-            <p:cNvSpPr txBox="1"/>
-            <p:nvPr/>
-          </p:nvSpPr>
-          <p:spPr>
-            <a:xfrm>
-              <a:off x="6537277" y="1978925"/>
-              <a:ext cx="1774211" cy="477672"/>
-            </a:xfrm>
-            <a:prstGeom prst="rect">
-              <a:avLst/>
-            </a:prstGeom>
-            <a:noFill/>
-            <a:ln w="38100">
-              <a:solidFill>
-                <a:schemeClr val="tx1"/>
-              </a:solidFill>
-            </a:ln>
-          </p:spPr>
-          <p:txBody>
-            <a:bodyPr wrap="square" rtlCol="0">
-              <a:spAutoFit/>
-            </a:bodyPr>
-            <a:lstStyle/>
-            <a:p>
-              <a:endParaRPr lang="fr-FR" dirty="0">
-                <a:latin typeface="Calibri" pitchFamily="34" charset="0"/>
-                <a:cs typeface="Calibri" pitchFamily="34" charset="0"/>
-              </a:endParaRPr>
-            </a:p>
-          </p:txBody>
-        </p:sp>
-        <p:sp>
-          <p:nvSpPr>
-            <p:cNvPr id="22" name="ZoneTexte 21"/>
-            <p:cNvSpPr txBox="1"/>
-            <p:nvPr/>
-          </p:nvSpPr>
-          <p:spPr>
-            <a:xfrm>
-              <a:off x="6032310" y="1978925"/>
-              <a:ext cx="504967" cy="477672"/>
-            </a:xfrm>
-            <a:prstGeom prst="rect">
-              <a:avLst/>
-            </a:prstGeom>
-            <a:noFill/>
-            <a:ln w="38100">
-              <a:solidFill>
-                <a:schemeClr val="tx1"/>
-              </a:solidFill>
-            </a:ln>
-          </p:spPr>
-          <p:txBody>
-            <a:bodyPr wrap="square" rtlCol="0">
-              <a:spAutoFit/>
-            </a:bodyPr>
-            <a:lstStyle/>
-            <a:p>
-              <a:r>
-                <a:rPr lang="fr-FR" dirty="0">
-                  <a:latin typeface="Calibri" pitchFamily="34" charset="0"/>
-                  <a:cs typeface="Calibri" pitchFamily="34" charset="0"/>
-                </a:rPr>
-                <a:t>4</a:t>
-              </a:r>
-            </a:p>
-          </p:txBody>
-        </p:sp>
-      </p:grpSp>
-      <p:grpSp>
-        <p:nvGrpSpPr>
-          <p:cNvPr id="23" name="Groupe 22"/>
-          <p:cNvGrpSpPr/>
-          <p:nvPr/>
-        </p:nvGrpSpPr>
-        <p:grpSpPr>
-          <a:xfrm>
-            <a:off x="6032310" y="3391804"/>
-            <a:ext cx="2279177" cy="477672"/>
-            <a:chOff x="6032310" y="1978925"/>
-            <a:chExt cx="2279177" cy="477672"/>
-          </a:xfrm>
-        </p:grpSpPr>
-        <p:sp>
-          <p:nvSpPr>
-            <p:cNvPr id="24" name="ZoneTexte 23"/>
-            <p:cNvSpPr txBox="1"/>
-            <p:nvPr/>
-          </p:nvSpPr>
-          <p:spPr>
-            <a:xfrm>
-              <a:off x="6537277" y="1978925"/>
-              <a:ext cx="1774210" cy="477672"/>
-            </a:xfrm>
-            <a:prstGeom prst="rect">
-              <a:avLst/>
-            </a:prstGeom>
-            <a:noFill/>
-            <a:ln w="38100">
-              <a:solidFill>
-                <a:schemeClr val="tx1"/>
-              </a:solidFill>
-            </a:ln>
-          </p:spPr>
-          <p:txBody>
-            <a:bodyPr wrap="square" rtlCol="0">
-              <a:spAutoFit/>
-            </a:bodyPr>
-            <a:lstStyle/>
-            <a:p>
-              <a:endParaRPr lang="fr-FR" dirty="0">
-                <a:latin typeface="Calibri" pitchFamily="34" charset="0"/>
-                <a:cs typeface="Calibri" pitchFamily="34" charset="0"/>
-              </a:endParaRPr>
-            </a:p>
-          </p:txBody>
-        </p:sp>
-        <p:sp>
-          <p:nvSpPr>
-            <p:cNvPr id="25" name="ZoneTexte 24"/>
-            <p:cNvSpPr txBox="1"/>
-            <p:nvPr/>
-          </p:nvSpPr>
-          <p:spPr>
-            <a:xfrm>
-              <a:off x="6032310" y="1978925"/>
-              <a:ext cx="504967" cy="477672"/>
-            </a:xfrm>
-            <a:prstGeom prst="rect">
-              <a:avLst/>
-            </a:prstGeom>
-            <a:noFill/>
-            <a:ln w="38100">
-              <a:solidFill>
-                <a:schemeClr val="tx1"/>
-              </a:solidFill>
-            </a:ln>
-          </p:spPr>
-          <p:txBody>
-            <a:bodyPr wrap="square" rtlCol="0">
-              <a:spAutoFit/>
-            </a:bodyPr>
-            <a:lstStyle/>
-            <a:p>
-              <a:r>
-                <a:rPr lang="fr-FR" dirty="0" smtClean="0">
-                  <a:latin typeface="Calibri" pitchFamily="34" charset="0"/>
-                  <a:cs typeface="Calibri" pitchFamily="34" charset="0"/>
-                </a:rPr>
-                <a:t>3</a:t>
-              </a:r>
-              <a:endParaRPr lang="fr-FR" dirty="0">
-                <a:latin typeface="Calibri" pitchFamily="34" charset="0"/>
-                <a:cs typeface="Calibri" pitchFamily="34" charset="0"/>
-              </a:endParaRPr>
-            </a:p>
-          </p:txBody>
-        </p:sp>
-      </p:grpSp>
-      <p:grpSp>
-        <p:nvGrpSpPr>
-          <p:cNvPr id="26" name="Groupe 25"/>
-          <p:cNvGrpSpPr/>
-          <p:nvPr/>
-        </p:nvGrpSpPr>
-        <p:grpSpPr>
-          <a:xfrm>
-            <a:off x="6032310" y="4824820"/>
-            <a:ext cx="2279177" cy="477672"/>
-            <a:chOff x="6032310" y="1978925"/>
-            <a:chExt cx="2279177" cy="477672"/>
-          </a:xfrm>
-        </p:grpSpPr>
-        <p:sp>
-          <p:nvSpPr>
-            <p:cNvPr id="27" name="ZoneTexte 26"/>
-            <p:cNvSpPr txBox="1"/>
-            <p:nvPr/>
-          </p:nvSpPr>
-          <p:spPr>
-            <a:xfrm>
-              <a:off x="6537277" y="1978925"/>
-              <a:ext cx="1774210" cy="477672"/>
-            </a:xfrm>
-            <a:prstGeom prst="rect">
-              <a:avLst/>
-            </a:prstGeom>
-            <a:noFill/>
-            <a:ln w="38100">
-              <a:solidFill>
-                <a:schemeClr val="tx1"/>
-              </a:solidFill>
-            </a:ln>
-          </p:spPr>
-          <p:txBody>
-            <a:bodyPr wrap="square" rtlCol="0">
-              <a:spAutoFit/>
-            </a:bodyPr>
-            <a:lstStyle/>
-            <a:p>
-              <a:endParaRPr lang="fr-FR" dirty="0">
-                <a:latin typeface="Calibri" pitchFamily="34" charset="0"/>
-                <a:cs typeface="Calibri" pitchFamily="34" charset="0"/>
-              </a:endParaRPr>
-            </a:p>
-          </p:txBody>
-        </p:sp>
-        <p:sp>
-          <p:nvSpPr>
-            <p:cNvPr id="28" name="ZoneTexte 27"/>
-            <p:cNvSpPr txBox="1"/>
-            <p:nvPr/>
-          </p:nvSpPr>
-          <p:spPr>
-            <a:xfrm>
-              <a:off x="6032310" y="1978925"/>
-              <a:ext cx="504967" cy="477672"/>
-            </a:xfrm>
-            <a:prstGeom prst="rect">
-              <a:avLst/>
-            </a:prstGeom>
-            <a:noFill/>
-            <a:ln w="38100">
-              <a:solidFill>
-                <a:schemeClr val="tx1"/>
-              </a:solidFill>
-            </a:ln>
-          </p:spPr>
-          <p:txBody>
-            <a:bodyPr wrap="square" rtlCol="0">
-              <a:spAutoFit/>
-            </a:bodyPr>
-            <a:lstStyle/>
-            <a:p>
-              <a:r>
-                <a:rPr lang="fr-FR" dirty="0">
-                  <a:latin typeface="Calibri" pitchFamily="34" charset="0"/>
-                  <a:cs typeface="Calibri" pitchFamily="34" charset="0"/>
-                </a:rPr>
-                <a:t>6</a:t>
-              </a:r>
-            </a:p>
-          </p:txBody>
-        </p:sp>
-      </p:grpSp>
+          </a:p>
+        </p:txBody>
+      </p:sp>
       <p:grpSp>
         <p:nvGrpSpPr>
           <p:cNvPr id="29" name="Groupe 28"/>
@@ -5202,10 +4663,10 @@
         </p:nvGrpSpPr>
         <p:grpSpPr>
           <a:xfrm>
-            <a:off x="6032310" y="5302492"/>
-            <a:ext cx="2279177" cy="477672"/>
-            <a:chOff x="6032310" y="1978925"/>
-            <a:chExt cx="2279177" cy="477672"/>
+            <a:off x="7371386" y="5589567"/>
+            <a:ext cx="2948584" cy="596528"/>
+            <a:chOff x="6047491" y="1978925"/>
+            <a:chExt cx="2948585" cy="483125"/>
           </a:xfrm>
         </p:grpSpPr>
         <p:sp>
@@ -5217,7 +4678,7 @@
           <p:spPr>
             <a:xfrm>
               <a:off x="6537277" y="1978925"/>
-              <a:ext cx="1774210" cy="477672"/>
+              <a:ext cx="2458799" cy="483125"/>
             </a:xfrm>
             <a:prstGeom prst="rect">
               <a:avLst/>
@@ -5250,8 +4711,8 @@
           </p:nvSpPr>
           <p:spPr>
             <a:xfrm>
-              <a:off x="6032310" y="1978925"/>
-              <a:ext cx="504967" cy="477672"/>
+              <a:off x="6047491" y="1978925"/>
+              <a:ext cx="489786" cy="473606"/>
             </a:xfrm>
             <a:prstGeom prst="rect">
               <a:avLst/>
@@ -5270,13 +4731,13 @@
             <a:lstStyle/>
             <a:p>
               <a:r>
-                <a:rPr lang="fr-FR" dirty="0" smtClean="0">
+                <a:rPr lang="fr-FR" sz="3200" dirty="0">
                   <a:latin typeface="Calibri" pitchFamily="34" charset="0"/>
                   <a:cs typeface="Calibri" pitchFamily="34" charset="0"/>
                 </a:rPr>
                 <a:t>7</a:t>
               </a:r>
-              <a:endParaRPr lang="fr-FR" dirty="0">
+              <a:endParaRPr lang="fr-FR" sz="3200" dirty="0" smtClean="0">
                 <a:latin typeface="Calibri" pitchFamily="34" charset="0"/>
                 <a:cs typeface="Calibri" pitchFamily="34" charset="0"/>
               </a:endParaRPr>
@@ -5292,8 +4753,8 @@
         </p:nvSpPr>
         <p:spPr>
           <a:xfrm>
-            <a:off x="5705000" y="1299427"/>
-            <a:ext cx="3019331" cy="1200329"/>
+            <a:off x="7050601" y="518580"/>
+            <a:ext cx="3455747" cy="1569660"/>
           </a:xfrm>
           <a:prstGeom prst="rect">
             <a:avLst/>
@@ -5308,7 +4769,7 @@
           <a:p>
             <a:pPr algn="ctr"/>
             <a:r>
-              <a:rPr lang="fr-FR" dirty="0" smtClean="0">
+              <a:rPr lang="fr-FR" sz="3200" dirty="0">
                 <a:latin typeface="Calibri" pitchFamily="34" charset="0"/>
                 <a:cs typeface="Calibri" pitchFamily="34" charset="0"/>
               </a:rPr>
@@ -5318,7 +4779,7 @@
           <a:p>
             <a:pPr algn="ctr"/>
             <a:r>
-              <a:rPr lang="fr-FR" dirty="0" smtClean="0">
+              <a:rPr lang="fr-FR" sz="3200" dirty="0">
                 <a:latin typeface="Calibri" pitchFamily="34" charset="0"/>
                 <a:cs typeface="Calibri" pitchFamily="34" charset="0"/>
               </a:rPr>
@@ -5328,23 +4789,12 @@
           <a:p>
             <a:pPr algn="ctr"/>
             <a:r>
-              <a:rPr lang="fr-FR" dirty="0">
+              <a:rPr lang="fr-FR" sz="3200" dirty="0">
                 <a:latin typeface="Calibri" pitchFamily="34" charset="0"/>
                 <a:cs typeface="Calibri" pitchFamily="34" charset="0"/>
               </a:rPr>
-              <a:t>(</a:t>
-            </a:r>
-            <a:r>
-              <a:rPr lang="fr-FR" dirty="0" smtClean="0">
-                <a:latin typeface="Calibri" pitchFamily="34" charset="0"/>
-                <a:cs typeface="Calibri" pitchFamily="34" charset="0"/>
-              </a:rPr>
-              <a:t>clef, valeur)</a:t>
-            </a:r>
-            <a:endParaRPr lang="fr-FR" dirty="0">
-              <a:latin typeface="Calibri" pitchFamily="34" charset="0"/>
-              <a:cs typeface="Calibri" pitchFamily="34" charset="0"/>
-            </a:endParaRPr>
+              <a:t>(clef, valeur)</a:t>
+            </a:r>
           </a:p>
         </p:txBody>
       </p:sp>
@@ -5356,8 +4806,8 @@
         </p:nvSpPr>
         <p:spPr>
           <a:xfrm>
-            <a:off x="2183642" y="1733264"/>
-            <a:ext cx="777922" cy="461665"/>
+            <a:off x="2964635" y="1637132"/>
+            <a:ext cx="946745" cy="584775"/>
           </a:xfrm>
           <a:prstGeom prst="rect">
             <a:avLst/>
@@ -5371,16 +4821,12 @@
           <a:lstStyle/>
           <a:p>
             <a:r>
-              <a:rPr lang="fr-FR" dirty="0" smtClean="0">
+              <a:rPr lang="fr-FR" sz="3200" dirty="0">
                 <a:latin typeface="Calibri" pitchFamily="34" charset="0"/>
                 <a:cs typeface="Calibri" pitchFamily="34" charset="0"/>
               </a:rPr>
               <a:t>clefs</a:t>
             </a:r>
-            <a:endParaRPr lang="fr-FR" dirty="0">
-              <a:latin typeface="Calibri" pitchFamily="34" charset="0"/>
-              <a:cs typeface="Calibri" pitchFamily="34" charset="0"/>
-            </a:endParaRPr>
           </a:p>
         </p:txBody>
       </p:sp>
@@ -5389,14 +4835,14 @@
           <p:cNvPr id="36" name="Connecteur en angle 35"/>
           <p:cNvCxnSpPr>
             <a:stCxn id="6" idx="3"/>
-            <a:endCxn id="12" idx="1"/>
+            <a:endCxn id="73" idx="1"/>
           </p:cNvCxnSpPr>
           <p:nvPr/>
         </p:nvCxnSpPr>
         <p:spPr bwMode="auto">
           <a:xfrm flipV="1">
-            <a:off x="3125337" y="2675297"/>
-            <a:ext cx="2906973" cy="893170"/>
+            <a:off x="4092733" y="2350839"/>
+            <a:ext cx="3278653" cy="535444"/>
           </a:xfrm>
           <a:prstGeom prst="bentConnector3">
             <a:avLst>
@@ -5420,15 +4866,14 @@
         <p:nvCxnSpPr>
           <p:cNvPr id="38" name="Connecteur en angle 37"/>
           <p:cNvCxnSpPr>
-            <a:stCxn id="7" idx="3"/>
-            <a:endCxn id="19" idx="1"/>
+            <a:endCxn id="64" idx="1"/>
           </p:cNvCxnSpPr>
           <p:nvPr/>
         </p:nvCxnSpPr>
         <p:spPr bwMode="auto">
           <a:xfrm>
-            <a:off x="3125337" y="4212187"/>
-            <a:ext cx="2906973" cy="373797"/>
+            <a:off x="4092733" y="4169145"/>
+            <a:ext cx="3278654" cy="549154"/>
           </a:xfrm>
           <a:prstGeom prst="bentConnector3">
             <a:avLst>
@@ -5459,8 +4904,8 @@
         </p:nvCxnSpPr>
         <p:spPr bwMode="auto">
           <a:xfrm>
-            <a:off x="3125337" y="4853631"/>
-            <a:ext cx="2906973" cy="687697"/>
+            <a:off x="4092733" y="5387155"/>
+            <a:ext cx="3278653" cy="494800"/>
           </a:xfrm>
           <a:prstGeom prst="bentConnector3">
             <a:avLst>
@@ -5488,10 +4933,10 @@
         </p:nvGrpSpPr>
         <p:grpSpPr>
           <a:xfrm>
-            <a:off x="675563" y="647168"/>
-            <a:ext cx="8086300" cy="5808223"/>
-            <a:chOff x="675563" y="647168"/>
-            <a:chExt cx="8086300" cy="5808223"/>
+            <a:off x="1348839" y="336884"/>
+            <a:ext cx="9529794" cy="6302455"/>
+            <a:chOff x="3238" y="462731"/>
+            <a:chExt cx="9529794" cy="6302455"/>
           </a:xfrm>
         </p:grpSpPr>
         <p:sp>
@@ -5502,8 +4947,8 @@
           </p:nvSpPr>
           <p:spPr bwMode="auto">
             <a:xfrm>
-              <a:off x="3282286" y="1378424"/>
-              <a:ext cx="5479577" cy="5076967"/>
+              <a:off x="3203809" y="462731"/>
+              <a:ext cx="6329223" cy="6302455"/>
             </a:xfrm>
             <a:prstGeom prst="roundRect">
               <a:avLst/>
@@ -5529,32 +4974,12 @@
             </a:bodyPr>
             <a:lstStyle/>
             <a:p>
-              <a:pPr marL="0" marR="0" indent="0" algn="ctr" defTabSz="914400" rtl="0" eaLnBrk="1" fontAlgn="base" latinLnBrk="0" hangingPunct="1">
-                <a:lnSpc>
-                  <a:spcPct val="100000"/>
-                </a:lnSpc>
+              <a:pPr algn="ctr">
                 <a:spcBef>
                   <a:spcPct val="50000"/>
                 </a:spcBef>
-                <a:spcAft>
-                  <a:spcPct val="0"/>
-                </a:spcAft>
-                <a:buClrTx/>
-                <a:buSzTx/>
-                <a:buFontTx/>
-                <a:buNone/>
-                <a:tabLst/>
               </a:pPr>
-              <a:endParaRPr kumimoji="0" lang="fr-FR" sz="2400" b="0" i="0" u="none" strike="noStrike" cap="none" normalizeH="0" baseline="0" smtClean="0">
-                <a:ln>
-                  <a:noFill/>
-                </a:ln>
-                <a:solidFill>
-                  <a:schemeClr val="tx1"/>
-                </a:solidFill>
-                <a:effectLst/>
-                <a:latin typeface="Comic Sans MS" pitchFamily="66" charset="0"/>
-              </a:endParaRPr>
+              <a:endParaRPr lang="fr-FR"/>
             </a:p>
           </p:txBody>
         </p:sp>
@@ -5566,8 +4991,8 @@
           </p:nvSpPr>
           <p:spPr>
             <a:xfrm>
-              <a:off x="675563" y="647168"/>
-              <a:ext cx="1897040" cy="461665"/>
+              <a:off x="3238" y="647168"/>
+              <a:ext cx="2569365" cy="584775"/>
             </a:xfrm>
             <a:prstGeom prst="rect">
               <a:avLst/>
@@ -5586,16 +5011,12 @@
             <a:lstStyle/>
             <a:p>
               <a:r>
-                <a:rPr lang="fr-FR" dirty="0" smtClean="0">
+                <a:rPr lang="fr-FR" sz="3200" dirty="0">
                   <a:latin typeface="Calibri" pitchFamily="34" charset="0"/>
                   <a:cs typeface="Calibri" pitchFamily="34" charset="0"/>
                 </a:rPr>
                 <a:t>Table de hash</a:t>
               </a:r>
-              <a:endParaRPr lang="fr-FR" dirty="0">
-                <a:latin typeface="Calibri" pitchFamily="34" charset="0"/>
-                <a:cs typeface="Calibri" pitchFamily="34" charset="0"/>
-              </a:endParaRPr>
             </a:p>
           </p:txBody>
         </p:sp>
@@ -5609,8 +5030,8 @@
           </p:nvCxnSpPr>
           <p:spPr bwMode="auto">
             <a:xfrm>
-              <a:off x="1624083" y="1108833"/>
-              <a:ext cx="1883392" cy="471608"/>
+              <a:off x="1287921" y="1231943"/>
+              <a:ext cx="1922713" cy="337938"/>
             </a:xfrm>
             <a:prstGeom prst="straightConnector1">
               <a:avLst/>
@@ -5637,8 +5058,8 @@
         </p:nvSpPr>
         <p:spPr>
           <a:xfrm>
-            <a:off x="6537276" y="2444464"/>
-            <a:ext cx="1774211" cy="400110"/>
+            <a:off x="7830915" y="2042101"/>
+            <a:ext cx="2593264" cy="584775"/>
           </a:xfrm>
           <a:prstGeom prst="rect">
             <a:avLst/>
@@ -5652,50 +5073,39 @@
           <a:lstStyle/>
           <a:p>
             <a:r>
-              <a:rPr lang="fr-FR" sz="2000" dirty="0">
+              <a:rPr lang="fr-FR" sz="3200" dirty="0">
                 <a:latin typeface="Calibri" pitchFamily="34" charset="0"/>
                 <a:cs typeface="Calibri" pitchFamily="34" charset="0"/>
               </a:rPr>
               <a:t>'</a:t>
             </a:r>
             <a:r>
-              <a:rPr lang="fr-FR" sz="2000" dirty="0" err="1">
+              <a:rPr lang="fr-FR" sz="3200" dirty="0" err="1">
                 <a:latin typeface="Calibri" pitchFamily="34" charset="0"/>
                 <a:cs typeface="Calibri" pitchFamily="34" charset="0"/>
               </a:rPr>
               <a:t>alice</a:t>
             </a:r>
             <a:r>
-              <a:rPr lang="fr-FR" sz="2000" dirty="0">
+              <a:rPr lang="fr-FR" sz="3200" dirty="0">
                 <a:latin typeface="Calibri" pitchFamily="34" charset="0"/>
                 <a:cs typeface="Calibri" pitchFamily="34" charset="0"/>
               </a:rPr>
-              <a:t>'</a:t>
-            </a:r>
-            <a:r>
-              <a:rPr lang="fr-FR" sz="2000" dirty="0" smtClean="0">
-                <a:latin typeface="Calibri" pitchFamily="34" charset="0"/>
-                <a:cs typeface="Calibri" pitchFamily="34" charset="0"/>
-              </a:rPr>
-              <a:t>, 123221</a:t>
-            </a:r>
-            <a:endParaRPr lang="fr-FR" sz="2000" dirty="0">
-              <a:latin typeface="Calibri" pitchFamily="34" charset="0"/>
-              <a:cs typeface="Calibri" pitchFamily="34" charset="0"/>
-            </a:endParaRPr>
-          </a:p>
-        </p:txBody>
-      </p:sp>
-      <p:sp>
-        <p:nvSpPr>
-          <p:cNvPr id="44" name="ZoneTexte 43"/>
+              <a:t>', 123221</a:t>
+            </a:r>
+          </a:p>
+        </p:txBody>
+      </p:sp>
+      <p:sp>
+        <p:nvSpPr>
+          <p:cNvPr id="45" name="ZoneTexte 44"/>
           <p:cNvSpPr txBox="1"/>
           <p:nvPr/>
         </p:nvSpPr>
         <p:spPr>
           <a:xfrm>
-            <a:off x="6537276" y="5310495"/>
-            <a:ext cx="1774211" cy="400110"/>
+            <a:off x="7809032" y="4428653"/>
+            <a:ext cx="2744343" cy="584775"/>
           </a:xfrm>
           <a:prstGeom prst="rect">
             <a:avLst/>
@@ -5709,34 +5119,13 @@
           <a:lstStyle/>
           <a:p>
             <a:r>
-              <a:rPr lang="fr-FR" sz="2000" dirty="0" smtClean="0">
+              <a:rPr lang="fr-FR" sz="3200" dirty="0" smtClean="0">
                 <a:latin typeface="Calibri" pitchFamily="34" charset="0"/>
                 <a:cs typeface="Calibri" pitchFamily="34" charset="0"/>
               </a:rPr>
-              <a:t>'</a:t>
-            </a:r>
-            <a:r>
-              <a:rPr lang="fr-FR" sz="2000" dirty="0" err="1" smtClean="0">
-                <a:latin typeface="Calibri" pitchFamily="34" charset="0"/>
-                <a:cs typeface="Calibri" pitchFamily="34" charset="0"/>
-              </a:rPr>
-              <a:t>eric</a:t>
-            </a:r>
-            <a:r>
-              <a:rPr lang="fr-FR" sz="2000" dirty="0" smtClean="0">
-                <a:latin typeface="Calibri" pitchFamily="34" charset="0"/>
-                <a:cs typeface="Calibri" pitchFamily="34" charset="0"/>
-              </a:rPr>
-              <a:t>'</a:t>
-            </a:r>
-            <a:r>
-              <a:rPr lang="fr-FR" sz="2000" dirty="0" smtClean="0">
-                <a:latin typeface="Calibri" pitchFamily="34" charset="0"/>
-                <a:cs typeface="Calibri" pitchFamily="34" charset="0"/>
-              </a:rPr>
-              <a:t>, 243789</a:t>
-            </a:r>
-            <a:endParaRPr lang="fr-FR" sz="2000" dirty="0">
+              <a:t>'marc', 124098</a:t>
+            </a:r>
+            <a:endParaRPr lang="fr-FR" sz="3200" dirty="0">
               <a:latin typeface="Calibri" pitchFamily="34" charset="0"/>
               <a:cs typeface="Calibri" pitchFamily="34" charset="0"/>
             </a:endParaRPr>
@@ -5745,14 +5134,14 @@
       </p:sp>
       <p:sp>
         <p:nvSpPr>
-          <p:cNvPr id="45" name="ZoneTexte 44"/>
+          <p:cNvPr id="54" name="ZoneTexte 53"/>
           <p:cNvSpPr txBox="1"/>
           <p:nvPr/>
         </p:nvSpPr>
         <p:spPr>
           <a:xfrm>
-            <a:off x="6537276" y="4355151"/>
-            <a:ext cx="1774211" cy="400110"/>
+            <a:off x="779131" y="1637132"/>
+            <a:ext cx="2019869" cy="584775"/>
           </a:xfrm>
           <a:prstGeom prst="rect">
             <a:avLst/>
@@ -5766,36 +5155,25 @@
           <a:lstStyle/>
           <a:p>
             <a:r>
-              <a:rPr lang="fr-FR" sz="2000" dirty="0" smtClean="0">
+              <a:rPr lang="fr-FR" sz="3200" dirty="0">
                 <a:latin typeface="Calibri" pitchFamily="34" charset="0"/>
                 <a:cs typeface="Calibri" pitchFamily="34" charset="0"/>
               </a:rPr>
-              <a:t>'marc'</a:t>
-            </a:r>
-            <a:r>
-              <a:rPr lang="fr-FR" sz="2000" dirty="0" smtClean="0">
-                <a:latin typeface="Calibri" pitchFamily="34" charset="0"/>
-                <a:cs typeface="Calibri" pitchFamily="34" charset="0"/>
-              </a:rPr>
-              <a:t>, 124098</a:t>
-            </a:r>
-            <a:endParaRPr lang="fr-FR" sz="2000" dirty="0">
-              <a:latin typeface="Calibri" pitchFamily="34" charset="0"/>
-              <a:cs typeface="Calibri" pitchFamily="34" charset="0"/>
-            </a:endParaRPr>
-          </a:p>
-        </p:txBody>
-      </p:sp>
-      <p:sp>
-        <p:nvSpPr>
-          <p:cNvPr id="54" name="ZoneTexte 53"/>
+              <a:t>opération</a:t>
+            </a:r>
+          </a:p>
+        </p:txBody>
+      </p:sp>
+      <p:sp>
+        <p:nvSpPr>
+          <p:cNvPr id="55" name="ZoneTexte 54"/>
           <p:cNvSpPr txBox="1"/>
           <p:nvPr/>
         </p:nvSpPr>
         <p:spPr>
           <a:xfrm>
-            <a:off x="0" y="1733263"/>
-            <a:ext cx="2019869" cy="461665"/>
+            <a:off x="576470" y="2373385"/>
+            <a:ext cx="2063575" cy="1077218"/>
           </a:xfrm>
           <a:prstGeom prst="rect">
             <a:avLst/>
@@ -5809,29 +5187,39 @@
           <a:lstStyle/>
           <a:p>
             <a:r>
-              <a:rPr lang="fr-FR" dirty="0" smtClean="0">
+              <a:rPr lang="fr-FR" sz="3200" dirty="0">
                 <a:latin typeface="Calibri" pitchFamily="34" charset="0"/>
                 <a:cs typeface="Calibri" pitchFamily="34" charset="0"/>
               </a:rPr>
-              <a:t>opération</a:t>
-            </a:r>
-            <a:endParaRPr lang="fr-FR" dirty="0">
-              <a:latin typeface="Calibri" pitchFamily="34" charset="0"/>
-              <a:cs typeface="Calibri" pitchFamily="34" charset="0"/>
-            </a:endParaRPr>
-          </a:p>
-        </p:txBody>
-      </p:sp>
-      <p:sp>
-        <p:nvSpPr>
-          <p:cNvPr id="55" name="ZoneTexte 54"/>
+              <a:t>T['</a:t>
+            </a:r>
+            <a:r>
+              <a:rPr lang="fr-FR" sz="3200" dirty="0" err="1">
+                <a:latin typeface="Calibri" pitchFamily="34" charset="0"/>
+                <a:cs typeface="Calibri" pitchFamily="34" charset="0"/>
+              </a:rPr>
+              <a:t>alice</a:t>
+            </a:r>
+            <a:r>
+              <a:rPr lang="fr-FR" sz="3200" dirty="0">
+                <a:latin typeface="Calibri" pitchFamily="34" charset="0"/>
+                <a:cs typeface="Calibri" pitchFamily="34" charset="0"/>
+              </a:rPr>
+              <a:t>'] = 123221</a:t>
+            </a:r>
+          </a:p>
+        </p:txBody>
+      </p:sp>
+      <p:sp>
+        <p:nvSpPr>
+          <p:cNvPr id="56" name="ZoneTexte 55"/>
           <p:cNvSpPr txBox="1"/>
           <p:nvPr/>
         </p:nvSpPr>
         <p:spPr>
           <a:xfrm>
-            <a:off x="0" y="2968302"/>
-            <a:ext cx="1719618" cy="830997"/>
+            <a:off x="576470" y="3668546"/>
+            <a:ext cx="2033247" cy="1077218"/>
           </a:xfrm>
           <a:prstGeom prst="rect">
             <a:avLst/>
@@ -5845,64 +5233,25 @@
           <a:lstStyle/>
           <a:p>
             <a:r>
-              <a:rPr lang="fr-FR" dirty="0">
+              <a:rPr lang="fr-FR" sz="3200" dirty="0">
                 <a:latin typeface="Calibri" pitchFamily="34" charset="0"/>
                 <a:cs typeface="Calibri" pitchFamily="34" charset="0"/>
               </a:rPr>
-              <a:t>T['</a:t>
-            </a:r>
-            <a:r>
-              <a:rPr lang="fr-FR" dirty="0" err="1">
-                <a:latin typeface="Calibri" pitchFamily="34" charset="0"/>
-                <a:cs typeface="Calibri" pitchFamily="34" charset="0"/>
-              </a:rPr>
-              <a:t>alice</a:t>
-            </a:r>
-            <a:r>
-              <a:rPr lang="fr-FR" dirty="0">
-                <a:latin typeface="Calibri" pitchFamily="34" charset="0"/>
-                <a:cs typeface="Calibri" pitchFamily="34" charset="0"/>
-              </a:rPr>
-              <a:t>'</a:t>
-            </a:r>
-            <a:r>
-              <a:rPr lang="fr-FR" dirty="0" smtClean="0">
-                <a:latin typeface="Calibri" pitchFamily="34" charset="0"/>
-                <a:cs typeface="Calibri" pitchFamily="34" charset="0"/>
-              </a:rPr>
-              <a:t>] </a:t>
-            </a:r>
-            <a:r>
-              <a:rPr lang="fr-FR" dirty="0" smtClean="0">
-                <a:latin typeface="Calibri" pitchFamily="34" charset="0"/>
-                <a:cs typeface="Calibri" pitchFamily="34" charset="0"/>
-              </a:rPr>
-              <a:t>= </a:t>
-            </a:r>
-            <a:r>
-              <a:rPr lang="fr-FR" dirty="0" smtClean="0">
-                <a:latin typeface="Calibri" pitchFamily="34" charset="0"/>
-                <a:cs typeface="Calibri" pitchFamily="34" charset="0"/>
-              </a:rPr>
-              <a:t>123221</a:t>
-            </a:r>
-            <a:endParaRPr lang="fr-FR" dirty="0">
-              <a:latin typeface="Calibri" pitchFamily="34" charset="0"/>
-              <a:cs typeface="Calibri" pitchFamily="34" charset="0"/>
-            </a:endParaRPr>
-          </a:p>
-        </p:txBody>
-      </p:sp>
-      <p:sp>
-        <p:nvSpPr>
-          <p:cNvPr id="56" name="ZoneTexte 55"/>
+              <a:t>T['marc'] = 124098</a:t>
+            </a:r>
+          </a:p>
+        </p:txBody>
+      </p:sp>
+      <p:sp>
+        <p:nvSpPr>
+          <p:cNvPr id="57" name="ZoneTexte 56"/>
           <p:cNvSpPr txBox="1"/>
           <p:nvPr/>
         </p:nvSpPr>
         <p:spPr>
           <a:xfrm>
-            <a:off x="0" y="3831141"/>
-            <a:ext cx="1719618" cy="830997"/>
+            <a:off x="576470" y="4963706"/>
+            <a:ext cx="2072405" cy="1077218"/>
           </a:xfrm>
           <a:prstGeom prst="rect">
             <a:avLst/>
@@ -5916,129 +5265,33 @@
           <a:lstStyle/>
           <a:p>
             <a:r>
-              <a:rPr lang="fr-FR" dirty="0" smtClean="0">
+              <a:rPr lang="fr-FR" sz="3200" dirty="0">
                 <a:latin typeface="Calibri" pitchFamily="34" charset="0"/>
                 <a:cs typeface="Calibri" pitchFamily="34" charset="0"/>
               </a:rPr>
-              <a:t>T</a:t>
-            </a:r>
-            <a:r>
-              <a:rPr lang="fr-FR" dirty="0" smtClean="0">
-                <a:latin typeface="Calibri" pitchFamily="34" charset="0"/>
-                <a:cs typeface="Calibri" pitchFamily="34" charset="0"/>
-              </a:rPr>
-              <a:t>['marc'</a:t>
-            </a:r>
-            <a:r>
-              <a:rPr lang="fr-FR" dirty="0" smtClean="0">
-                <a:latin typeface="Calibri" pitchFamily="34" charset="0"/>
-                <a:cs typeface="Calibri" pitchFamily="34" charset="0"/>
-              </a:rPr>
-              <a:t>] </a:t>
-            </a:r>
-            <a:r>
-              <a:rPr lang="fr-FR" dirty="0" smtClean="0">
-                <a:latin typeface="Calibri" pitchFamily="34" charset="0"/>
-                <a:cs typeface="Calibri" pitchFamily="34" charset="0"/>
-              </a:rPr>
-              <a:t>= </a:t>
-            </a:r>
-            <a:r>
-              <a:rPr lang="fr-FR" dirty="0" smtClean="0">
-                <a:latin typeface="Calibri" pitchFamily="34" charset="0"/>
-                <a:cs typeface="Calibri" pitchFamily="34" charset="0"/>
-              </a:rPr>
-              <a:t>124098</a:t>
-            </a:r>
-            <a:endParaRPr lang="fr-FR" dirty="0">
-              <a:latin typeface="Calibri" pitchFamily="34" charset="0"/>
-              <a:cs typeface="Calibri" pitchFamily="34" charset="0"/>
-            </a:endParaRPr>
-          </a:p>
-        </p:txBody>
-      </p:sp>
-      <p:sp>
-        <p:nvSpPr>
-          <p:cNvPr id="57" name="ZoneTexte 56"/>
-          <p:cNvSpPr txBox="1"/>
-          <p:nvPr/>
-        </p:nvSpPr>
-        <p:spPr>
-          <a:xfrm>
-            <a:off x="0" y="4622798"/>
-            <a:ext cx="1719618" cy="830997"/>
-          </a:xfrm>
-          <a:prstGeom prst="rect">
-            <a:avLst/>
-          </a:prstGeom>
-          <a:noFill/>
-        </p:spPr>
-        <p:txBody>
-          <a:bodyPr wrap="square" rtlCol="0">
-            <a:spAutoFit/>
-          </a:bodyPr>
-          <a:lstStyle/>
-          <a:p>
-            <a:r>
-              <a:rPr lang="fr-FR" dirty="0" smtClean="0">
-                <a:latin typeface="Calibri" pitchFamily="34" charset="0"/>
-                <a:cs typeface="Calibri" pitchFamily="34" charset="0"/>
-              </a:rPr>
-              <a:t>T</a:t>
-            </a:r>
-            <a:r>
-              <a:rPr lang="fr-FR" dirty="0">
-                <a:latin typeface="Calibri" pitchFamily="34" charset="0"/>
-                <a:cs typeface="Calibri" pitchFamily="34" charset="0"/>
-              </a:rPr>
-              <a:t>[</a:t>
-            </a:r>
-            <a:r>
-              <a:rPr lang="fr-FR" dirty="0" smtClean="0">
-                <a:latin typeface="Calibri" pitchFamily="34" charset="0"/>
-                <a:cs typeface="Calibri" pitchFamily="34" charset="0"/>
-              </a:rPr>
-              <a:t>'</a:t>
-            </a:r>
-            <a:r>
-              <a:rPr lang="fr-FR" dirty="0" err="1" smtClean="0">
+              <a:t>T['</a:t>
+            </a:r>
+            <a:r>
+              <a:rPr lang="fr-FR" sz="3200" dirty="0" err="1">
                 <a:latin typeface="Calibri" pitchFamily="34" charset="0"/>
                 <a:cs typeface="Calibri" pitchFamily="34" charset="0"/>
               </a:rPr>
               <a:t>eric</a:t>
             </a:r>
             <a:r>
-              <a:rPr lang="fr-FR" dirty="0" smtClean="0">
+              <a:rPr lang="fr-FR" sz="3200" dirty="0" smtClean="0">
                 <a:latin typeface="Calibri" pitchFamily="34" charset="0"/>
                 <a:cs typeface="Calibri" pitchFamily="34" charset="0"/>
               </a:rPr>
-              <a:t>'</a:t>
-            </a:r>
-            <a:r>
-              <a:rPr lang="fr-FR" dirty="0" smtClean="0">
-                <a:latin typeface="Calibri" pitchFamily="34" charset="0"/>
-                <a:cs typeface="Calibri" pitchFamily="34" charset="0"/>
-              </a:rPr>
-              <a:t>] </a:t>
-            </a:r>
-            <a:r>
-              <a:rPr lang="fr-FR" dirty="0" smtClean="0">
-                <a:latin typeface="Calibri" pitchFamily="34" charset="0"/>
-                <a:cs typeface="Calibri" pitchFamily="34" charset="0"/>
-              </a:rPr>
-              <a:t>= </a:t>
-            </a:r>
-            <a:r>
-              <a:rPr lang="fr-FR" dirty="0" smtClean="0">
+              <a:t>'] = </a:t>
+            </a:r>
+            <a:r>
+              <a:rPr lang="fr-FR" sz="3200" dirty="0">
                 <a:latin typeface="Calibri" pitchFamily="34" charset="0"/>
                 <a:cs typeface="Calibri" pitchFamily="34" charset="0"/>
               </a:rPr>
               <a:t>243798</a:t>
             </a:r>
-            <a:endParaRPr lang="fr-FR" dirty="0">
-              <a:latin typeface="Calibri" pitchFamily="34" charset="0"/>
-              <a:cs typeface="Calibri" pitchFamily="34" charset="0"/>
-            </a:endParaRPr>
           </a:p>
         </p:txBody>
       </p:sp>
@@ -6050,8 +5303,8 @@
         </p:nvSpPr>
         <p:spPr bwMode="auto">
           <a:xfrm>
-            <a:off x="5849658" y="1108833"/>
-            <a:ext cx="2644479" cy="5459607"/>
+            <a:off x="7198289" y="521322"/>
+            <a:ext cx="3200573" cy="5825820"/>
           </a:xfrm>
           <a:prstGeom prst="rect">
             <a:avLst/>
@@ -6077,32 +5330,12 @@
           </a:bodyPr>
           <a:lstStyle/>
           <a:p>
-            <a:pPr marL="0" marR="0" indent="0" algn="ctr" defTabSz="914400" rtl="0" eaLnBrk="1" fontAlgn="base" latinLnBrk="0" hangingPunct="1">
-              <a:lnSpc>
-                <a:spcPct val="100000"/>
-              </a:lnSpc>
+            <a:pPr algn="ctr">
               <a:spcBef>
                 <a:spcPct val="50000"/>
               </a:spcBef>
-              <a:spcAft>
-                <a:spcPct val="0"/>
-              </a:spcAft>
-              <a:buClrTx/>
-              <a:buSzTx/>
-              <a:buFontTx/>
-              <a:buNone/>
-              <a:tabLst/>
             </a:pPr>
-            <a:endParaRPr kumimoji="0" lang="fr-FR" sz="2400" b="0" i="0" u="none" strike="noStrike" cap="none" normalizeH="0" baseline="0" smtClean="0">
-              <a:ln>
-                <a:noFill/>
-              </a:ln>
-              <a:solidFill>
-                <a:schemeClr val="tx1"/>
-              </a:solidFill>
-              <a:effectLst/>
-              <a:latin typeface="Comic Sans MS" pitchFamily="66" charset="0"/>
-            </a:endParaRPr>
+            <a:endParaRPr lang="fr-FR"/>
           </a:p>
         </p:txBody>
       </p:sp>
@@ -6114,8 +5347,8 @@
         </p:nvSpPr>
         <p:spPr bwMode="auto">
           <a:xfrm>
-            <a:off x="3335965" y="1496635"/>
-            <a:ext cx="2513694" cy="5071805"/>
+            <a:off x="4618627" y="1173582"/>
+            <a:ext cx="2579663" cy="5173560"/>
           </a:xfrm>
           <a:prstGeom prst="rect">
             <a:avLst/>
@@ -6141,32 +5374,488 @@
           </a:bodyPr>
           <a:lstStyle/>
           <a:p>
-            <a:pPr marL="0" marR="0" indent="0" algn="ctr" defTabSz="914400" rtl="0" eaLnBrk="1" fontAlgn="base" latinLnBrk="0" hangingPunct="1">
-              <a:lnSpc>
-                <a:spcPct val="100000"/>
-              </a:lnSpc>
+            <a:pPr algn="ctr">
               <a:spcBef>
                 <a:spcPct val="50000"/>
               </a:spcBef>
-              <a:spcAft>
-                <a:spcPct val="0"/>
-              </a:spcAft>
-              <a:buClrTx/>
-              <a:buSzTx/>
-              <a:buFontTx/>
-              <a:buNone/>
-              <a:tabLst/>
             </a:pPr>
-            <a:endParaRPr kumimoji="0" lang="fr-FR" sz="2400" b="0" i="0" u="none" strike="noStrike" cap="none" normalizeH="0" baseline="0" smtClean="0">
-              <a:ln>
-                <a:noFill/>
-              </a:ln>
+            <a:endParaRPr lang="fr-FR"/>
+          </a:p>
+        </p:txBody>
+      </p:sp>
+      <p:grpSp>
+        <p:nvGrpSpPr>
+          <p:cNvPr id="59" name="Groupe 58"/>
+          <p:cNvGrpSpPr/>
+          <p:nvPr/>
+        </p:nvGrpSpPr>
+        <p:grpSpPr>
+          <a:xfrm>
+            <a:off x="7371387" y="5007435"/>
+            <a:ext cx="2948582" cy="593884"/>
+            <a:chOff x="6032310" y="1978925"/>
+            <a:chExt cx="2963766" cy="480984"/>
+          </a:xfrm>
+        </p:grpSpPr>
+        <p:sp>
+          <p:nvSpPr>
+            <p:cNvPr id="60" name="ZoneTexte 59"/>
+            <p:cNvSpPr txBox="1"/>
+            <p:nvPr/>
+          </p:nvSpPr>
+          <p:spPr>
+            <a:xfrm>
+              <a:off x="6537276" y="1978925"/>
+              <a:ext cx="2458800" cy="480984"/>
+            </a:xfrm>
+            <a:prstGeom prst="rect">
+              <a:avLst/>
+            </a:prstGeom>
+            <a:noFill/>
+            <a:ln w="38100">
               <a:solidFill>
                 <a:schemeClr val="tx1"/>
               </a:solidFill>
-              <a:effectLst/>
-              <a:latin typeface="Comic Sans MS" pitchFamily="66" charset="0"/>
+            </a:ln>
+          </p:spPr>
+          <p:txBody>
+            <a:bodyPr wrap="square" rtlCol="0">
+              <a:spAutoFit/>
+            </a:bodyPr>
+            <a:lstStyle/>
+            <a:p>
+              <a:endParaRPr lang="fr-FR" dirty="0">
+                <a:latin typeface="Calibri" pitchFamily="34" charset="0"/>
+                <a:cs typeface="Calibri" pitchFamily="34" charset="0"/>
+              </a:endParaRPr>
+            </a:p>
+          </p:txBody>
+        </p:sp>
+        <p:sp>
+          <p:nvSpPr>
+            <p:cNvPr id="61" name="ZoneTexte 60"/>
+            <p:cNvSpPr txBox="1"/>
+            <p:nvPr/>
+          </p:nvSpPr>
+          <p:spPr>
+            <a:xfrm>
+              <a:off x="6032310" y="1978925"/>
+              <a:ext cx="504967" cy="473606"/>
+            </a:xfrm>
+            <a:prstGeom prst="rect">
+              <a:avLst/>
+            </a:prstGeom>
+            <a:noFill/>
+            <a:ln w="38100">
+              <a:solidFill>
+                <a:schemeClr val="tx1"/>
+              </a:solidFill>
+            </a:ln>
+          </p:spPr>
+          <p:txBody>
+            <a:bodyPr wrap="square" rtlCol="0">
+              <a:spAutoFit/>
+            </a:bodyPr>
+            <a:lstStyle/>
+            <a:p>
+              <a:r>
+                <a:rPr lang="fr-FR" sz="3200" dirty="0" smtClean="0">
+                  <a:latin typeface="Calibri" pitchFamily="34" charset="0"/>
+                  <a:cs typeface="Calibri" pitchFamily="34" charset="0"/>
+                </a:rPr>
+                <a:t>6</a:t>
+              </a:r>
+              <a:endParaRPr lang="fr-FR" sz="3200" dirty="0">
+                <a:latin typeface="Calibri" pitchFamily="34" charset="0"/>
+                <a:cs typeface="Calibri" pitchFamily="34" charset="0"/>
+              </a:endParaRPr>
+            </a:p>
+          </p:txBody>
+        </p:sp>
+      </p:grpSp>
+      <p:grpSp>
+        <p:nvGrpSpPr>
+          <p:cNvPr id="62" name="Groupe 61"/>
+          <p:cNvGrpSpPr/>
+          <p:nvPr/>
+        </p:nvGrpSpPr>
+        <p:grpSpPr>
+          <a:xfrm>
+            <a:off x="7371387" y="4425912"/>
+            <a:ext cx="2951734" cy="593884"/>
+            <a:chOff x="6120702" y="1979658"/>
+            <a:chExt cx="2951735" cy="480984"/>
+          </a:xfrm>
+        </p:grpSpPr>
+        <p:sp>
+          <p:nvSpPr>
+            <p:cNvPr id="63" name="ZoneTexte 62"/>
+            <p:cNvSpPr txBox="1"/>
+            <p:nvPr/>
+          </p:nvSpPr>
+          <p:spPr>
+            <a:xfrm>
+              <a:off x="6613637" y="1979658"/>
+              <a:ext cx="2458800" cy="480984"/>
+            </a:xfrm>
+            <a:prstGeom prst="rect">
+              <a:avLst/>
+            </a:prstGeom>
+            <a:noFill/>
+            <a:ln w="38100">
+              <a:solidFill>
+                <a:schemeClr val="tx1"/>
+              </a:solidFill>
+            </a:ln>
+          </p:spPr>
+          <p:txBody>
+            <a:bodyPr wrap="square" rtlCol="0">
+              <a:spAutoFit/>
+            </a:bodyPr>
+            <a:lstStyle/>
+            <a:p>
+              <a:endParaRPr lang="fr-FR" dirty="0">
+                <a:latin typeface="Calibri" pitchFamily="34" charset="0"/>
+                <a:cs typeface="Calibri" pitchFamily="34" charset="0"/>
+              </a:endParaRPr>
+            </a:p>
+          </p:txBody>
+        </p:sp>
+        <p:sp>
+          <p:nvSpPr>
+            <p:cNvPr id="64" name="ZoneTexte 63"/>
+            <p:cNvSpPr txBox="1"/>
+            <p:nvPr/>
+          </p:nvSpPr>
+          <p:spPr>
+            <a:xfrm>
+              <a:off x="6120702" y="1979658"/>
+              <a:ext cx="492936" cy="473606"/>
+            </a:xfrm>
+            <a:prstGeom prst="rect">
+              <a:avLst/>
+            </a:prstGeom>
+            <a:noFill/>
+            <a:ln w="38100">
+              <a:solidFill>
+                <a:schemeClr val="tx1"/>
+              </a:solidFill>
+            </a:ln>
+          </p:spPr>
+          <p:txBody>
+            <a:bodyPr wrap="square" rtlCol="0">
+              <a:spAutoFit/>
+            </a:bodyPr>
+            <a:lstStyle/>
+            <a:p>
+              <a:r>
+                <a:rPr lang="fr-FR" sz="3200" dirty="0" smtClean="0">
+                  <a:latin typeface="Calibri" pitchFamily="34" charset="0"/>
+                  <a:cs typeface="Calibri" pitchFamily="34" charset="0"/>
+                </a:rPr>
+                <a:t>5</a:t>
+              </a:r>
+              <a:endParaRPr lang="fr-FR" sz="3200" dirty="0">
+                <a:latin typeface="Calibri" pitchFamily="34" charset="0"/>
+                <a:cs typeface="Calibri" pitchFamily="34" charset="0"/>
+              </a:endParaRPr>
+            </a:p>
+          </p:txBody>
+        </p:sp>
+      </p:grpSp>
+      <p:sp>
+        <p:nvSpPr>
+          <p:cNvPr id="66" name="ZoneTexte 65"/>
+          <p:cNvSpPr txBox="1"/>
+          <p:nvPr/>
+        </p:nvSpPr>
+        <p:spPr>
+          <a:xfrm>
+            <a:off x="7848809" y="3831207"/>
+            <a:ext cx="2477463" cy="593884"/>
+          </a:xfrm>
+          <a:prstGeom prst="rect">
+            <a:avLst/>
+          </a:prstGeom>
+          <a:noFill/>
+          <a:ln w="38100">
+            <a:solidFill>
+              <a:schemeClr val="tx1"/>
+            </a:solidFill>
+          </a:ln>
+        </p:spPr>
+        <p:txBody>
+          <a:bodyPr wrap="square" rtlCol="0">
+            <a:spAutoFit/>
+          </a:bodyPr>
+          <a:lstStyle/>
+          <a:p>
+            <a:endParaRPr lang="fr-FR" dirty="0">
+              <a:latin typeface="Calibri" pitchFamily="34" charset="0"/>
+              <a:cs typeface="Calibri" pitchFamily="34" charset="0"/>
             </a:endParaRPr>
+          </a:p>
+        </p:txBody>
+      </p:sp>
+      <p:sp>
+        <p:nvSpPr>
+          <p:cNvPr id="67" name="ZoneTexte 66"/>
+          <p:cNvSpPr txBox="1"/>
+          <p:nvPr/>
+        </p:nvSpPr>
+        <p:spPr>
+          <a:xfrm>
+            <a:off x="7371387" y="3831207"/>
+            <a:ext cx="477423" cy="584774"/>
+          </a:xfrm>
+          <a:prstGeom prst="rect">
+            <a:avLst/>
+          </a:prstGeom>
+          <a:noFill/>
+          <a:ln w="38100">
+            <a:solidFill>
+              <a:schemeClr val="tx1"/>
+            </a:solidFill>
+          </a:ln>
+        </p:spPr>
+        <p:txBody>
+          <a:bodyPr wrap="square" rtlCol="0">
+            <a:spAutoFit/>
+          </a:bodyPr>
+          <a:lstStyle/>
+          <a:p>
+            <a:r>
+              <a:rPr lang="fr-FR" sz="3200" dirty="0" smtClean="0">
+                <a:latin typeface="Calibri" pitchFamily="34" charset="0"/>
+                <a:cs typeface="Calibri" pitchFamily="34" charset="0"/>
+              </a:rPr>
+              <a:t>4</a:t>
+            </a:r>
+            <a:endParaRPr lang="fr-FR" sz="3200" dirty="0">
+              <a:latin typeface="Calibri" pitchFamily="34" charset="0"/>
+              <a:cs typeface="Calibri" pitchFamily="34" charset="0"/>
+            </a:endParaRPr>
+          </a:p>
+        </p:txBody>
+      </p:sp>
+      <p:sp>
+        <p:nvSpPr>
+          <p:cNvPr id="68" name="ZoneTexte 67"/>
+          <p:cNvSpPr txBox="1"/>
+          <p:nvPr/>
+        </p:nvSpPr>
+        <p:spPr>
+          <a:xfrm>
+            <a:off x="7848809" y="3237007"/>
+            <a:ext cx="2470831" cy="593884"/>
+          </a:xfrm>
+          <a:prstGeom prst="rect">
+            <a:avLst/>
+          </a:prstGeom>
+          <a:noFill/>
+          <a:ln w="38100">
+            <a:solidFill>
+              <a:schemeClr val="tx1"/>
+            </a:solidFill>
+          </a:ln>
+        </p:spPr>
+        <p:txBody>
+          <a:bodyPr wrap="square" rtlCol="0">
+            <a:spAutoFit/>
+          </a:bodyPr>
+          <a:lstStyle/>
+          <a:p>
+            <a:endParaRPr lang="fr-FR" dirty="0">
+              <a:latin typeface="Calibri" pitchFamily="34" charset="0"/>
+              <a:cs typeface="Calibri" pitchFamily="34" charset="0"/>
+            </a:endParaRPr>
+          </a:p>
+        </p:txBody>
+      </p:sp>
+      <p:sp>
+        <p:nvSpPr>
+          <p:cNvPr id="69" name="ZoneTexte 68"/>
+          <p:cNvSpPr txBox="1"/>
+          <p:nvPr/>
+        </p:nvSpPr>
+        <p:spPr>
+          <a:xfrm>
+            <a:off x="7371387" y="3237007"/>
+            <a:ext cx="477423" cy="584774"/>
+          </a:xfrm>
+          <a:prstGeom prst="rect">
+            <a:avLst/>
+          </a:prstGeom>
+          <a:noFill/>
+          <a:ln w="38100">
+            <a:solidFill>
+              <a:schemeClr val="tx1"/>
+            </a:solidFill>
+          </a:ln>
+        </p:spPr>
+        <p:txBody>
+          <a:bodyPr wrap="square" rtlCol="0">
+            <a:spAutoFit/>
+          </a:bodyPr>
+          <a:lstStyle/>
+          <a:p>
+            <a:r>
+              <a:rPr lang="fr-FR" sz="3200" dirty="0" smtClean="0">
+                <a:latin typeface="Calibri" pitchFamily="34" charset="0"/>
+                <a:cs typeface="Calibri" pitchFamily="34" charset="0"/>
+              </a:rPr>
+              <a:t>3</a:t>
+            </a:r>
+            <a:endParaRPr lang="fr-FR" sz="3200" dirty="0">
+              <a:latin typeface="Calibri" pitchFamily="34" charset="0"/>
+              <a:cs typeface="Calibri" pitchFamily="34" charset="0"/>
+            </a:endParaRPr>
+          </a:p>
+        </p:txBody>
+      </p:sp>
+      <p:sp>
+        <p:nvSpPr>
+          <p:cNvPr id="70" name="ZoneTexte 69"/>
+          <p:cNvSpPr txBox="1"/>
+          <p:nvPr/>
+        </p:nvSpPr>
+        <p:spPr>
+          <a:xfrm>
+            <a:off x="7860841" y="2641065"/>
+            <a:ext cx="2458799" cy="593884"/>
+          </a:xfrm>
+          <a:prstGeom prst="rect">
+            <a:avLst/>
+          </a:prstGeom>
+          <a:noFill/>
+          <a:ln w="38100">
+            <a:solidFill>
+              <a:schemeClr val="tx1"/>
+            </a:solidFill>
+          </a:ln>
+        </p:spPr>
+        <p:txBody>
+          <a:bodyPr wrap="square" rtlCol="0">
+            <a:spAutoFit/>
+          </a:bodyPr>
+          <a:lstStyle/>
+          <a:p>
+            <a:endParaRPr lang="fr-FR" dirty="0">
+              <a:latin typeface="Calibri" pitchFamily="34" charset="0"/>
+              <a:cs typeface="Calibri" pitchFamily="34" charset="0"/>
+            </a:endParaRPr>
+          </a:p>
+        </p:txBody>
+      </p:sp>
+      <p:sp>
+        <p:nvSpPr>
+          <p:cNvPr id="71" name="ZoneTexte 70"/>
+          <p:cNvSpPr txBox="1"/>
+          <p:nvPr/>
+        </p:nvSpPr>
+        <p:spPr>
+          <a:xfrm>
+            <a:off x="7371387" y="2641065"/>
+            <a:ext cx="489455" cy="584774"/>
+          </a:xfrm>
+          <a:prstGeom prst="rect">
+            <a:avLst/>
+          </a:prstGeom>
+          <a:noFill/>
+          <a:ln w="38100">
+            <a:solidFill>
+              <a:schemeClr val="tx1"/>
+            </a:solidFill>
+          </a:ln>
+        </p:spPr>
+        <p:txBody>
+          <a:bodyPr wrap="square" rtlCol="0">
+            <a:spAutoFit/>
+          </a:bodyPr>
+          <a:lstStyle/>
+          <a:p>
+            <a:r>
+              <a:rPr lang="fr-FR" sz="3200" dirty="0" smtClean="0">
+                <a:latin typeface="Calibri" pitchFamily="34" charset="0"/>
+                <a:cs typeface="Calibri" pitchFamily="34" charset="0"/>
+              </a:rPr>
+              <a:t>2</a:t>
+            </a:r>
+            <a:endParaRPr lang="fr-FR" sz="3200" dirty="0">
+              <a:latin typeface="Calibri" pitchFamily="34" charset="0"/>
+              <a:cs typeface="Calibri" pitchFamily="34" charset="0"/>
+            </a:endParaRPr>
+          </a:p>
+        </p:txBody>
+      </p:sp>
+      <p:sp>
+        <p:nvSpPr>
+          <p:cNvPr id="72" name="ZoneTexte 71"/>
+          <p:cNvSpPr txBox="1"/>
+          <p:nvPr/>
+        </p:nvSpPr>
+        <p:spPr>
+          <a:xfrm>
+            <a:off x="7864323" y="2061410"/>
+            <a:ext cx="2458772" cy="578894"/>
+          </a:xfrm>
+          <a:prstGeom prst="rect">
+            <a:avLst/>
+          </a:prstGeom>
+          <a:noFill/>
+          <a:ln w="38100">
+            <a:solidFill>
+              <a:schemeClr val="tx1"/>
+            </a:solidFill>
+          </a:ln>
+        </p:spPr>
+        <p:txBody>
+          <a:bodyPr wrap="square" rtlCol="0">
+            <a:spAutoFit/>
+          </a:bodyPr>
+          <a:lstStyle/>
+          <a:p>
+            <a:endParaRPr lang="fr-FR" dirty="0">
+              <a:latin typeface="Calibri" pitchFamily="34" charset="0"/>
+              <a:cs typeface="Calibri" pitchFamily="34" charset="0"/>
+            </a:endParaRPr>
+          </a:p>
+        </p:txBody>
+      </p:sp>
+      <p:sp>
+        <p:nvSpPr>
+          <p:cNvPr id="73" name="ZoneTexte 72"/>
+          <p:cNvSpPr txBox="1"/>
+          <p:nvPr/>
+        </p:nvSpPr>
+        <p:spPr>
+          <a:xfrm>
+            <a:off x="7371386" y="2058452"/>
+            <a:ext cx="492937" cy="584774"/>
+          </a:xfrm>
+          <a:prstGeom prst="rect">
+            <a:avLst/>
+          </a:prstGeom>
+          <a:noFill/>
+          <a:ln w="38100">
+            <a:solidFill>
+              <a:schemeClr val="tx1"/>
+            </a:solidFill>
+          </a:ln>
+        </p:spPr>
+        <p:txBody>
+          <a:bodyPr wrap="square" rtlCol="0">
+            <a:spAutoFit/>
+          </a:bodyPr>
+          <a:lstStyle/>
+          <a:p>
+            <a:r>
+              <a:rPr lang="fr-FR" sz="3200" dirty="0">
+                <a:latin typeface="Calibri" pitchFamily="34" charset="0"/>
+                <a:cs typeface="Calibri" pitchFamily="34" charset="0"/>
+              </a:rPr>
+              <a:t>1</a:t>
+            </a:r>
           </a:p>
         </p:txBody>
       </p:sp>
@@ -6178,8 +5867,8 @@
         </p:nvSpPr>
         <p:spPr bwMode="auto">
           <a:xfrm>
-            <a:off x="3125337" y="1108833"/>
-            <a:ext cx="5636526" cy="5749167"/>
+            <a:off x="4655577" y="352879"/>
+            <a:ext cx="6223057" cy="5914200"/>
           </a:xfrm>
           <a:prstGeom prst="rect">
             <a:avLst/>
@@ -6197,7 +5886,7 @@
           <a:effectLst/>
         </p:spPr>
         <p:txBody>
-          <a:bodyPr vert="horz" wrap="none" lIns="90000" tIns="46800" rIns="90000" bIns="46800" numCol="1" rtlCol="0" anchor="ctr" anchorCtr="0" compatLnSpc="1">
+          <a:bodyPr vert="horz" wrap="square" lIns="90000" tIns="46800" rIns="90000" bIns="46800" numCol="1" rtlCol="0" anchor="ctr" anchorCtr="0" compatLnSpc="1">
             <a:prstTxWarp prst="textNoShape">
               <a:avLst/>
             </a:prstTxWarp>
@@ -6205,32 +5894,12 @@
           </a:bodyPr>
           <a:lstStyle/>
           <a:p>
-            <a:pPr marL="0" marR="0" indent="0" algn="ctr" defTabSz="914400" rtl="0" eaLnBrk="1" fontAlgn="base" latinLnBrk="0" hangingPunct="1">
-              <a:lnSpc>
-                <a:spcPct val="100000"/>
-              </a:lnSpc>
+            <a:pPr algn="ctr">
               <a:spcBef>
                 <a:spcPct val="50000"/>
               </a:spcBef>
-              <a:spcAft>
-                <a:spcPct val="0"/>
-              </a:spcAft>
-              <a:buClrTx/>
-              <a:buSzTx/>
-              <a:buFontTx/>
-              <a:buNone/>
-              <a:tabLst/>
             </a:pPr>
-            <a:endParaRPr kumimoji="0" lang="fr-FR" sz="2400" b="0" i="0" u="none" strike="noStrike" cap="none" normalizeH="0" baseline="0" smtClean="0">
-              <a:ln>
-                <a:noFill/>
-              </a:ln>
-              <a:solidFill>
-                <a:schemeClr val="tx1"/>
-              </a:solidFill>
-              <a:effectLst/>
-              <a:latin typeface="Comic Sans MS" pitchFamily="66" charset="0"/>
-            </a:endParaRPr>
+            <a:endParaRPr lang="fr-FR"/>
           </a:p>
         </p:txBody>
       </p:sp>
@@ -7224,12 +6893,12 @@
       </p:par>
     </p:tnLst>
     <p:bldLst>
+      <p:bldP spid="44" grpId="0"/>
       <p:bldP spid="6" grpId="0" animBg="1"/>
       <p:bldP spid="7" grpId="0" animBg="1"/>
       <p:bldP spid="8" grpId="0" animBg="1"/>
       <p:bldP spid="34" grpId="0"/>
       <p:bldP spid="43" grpId="0"/>
-      <p:bldP spid="44" grpId="0"/>
       <p:bldP spid="45" grpId="0"/>
       <p:bldP spid="54" grpId="0"/>
       <p:bldP spid="55" grpId="0"/>
